--- a/Audience 開發前 review.pptx
+++ b/Audience 開發前 review.pptx
@@ -5,7 +5,7 @@
     <p:sldMasterId id="2147483648" r:id="rId1"/>
   </p:sldMasterIdLst>
   <p:notesMasterIdLst>
-    <p:notesMasterId r:id="rId13"/>
+    <p:notesMasterId r:id="rId14"/>
   </p:notesMasterIdLst>
   <p:sldIdLst>
     <p:sldId id="256" r:id="rId2"/>
@@ -18,7 +18,8 @@
     <p:sldId id="263" r:id="rId9"/>
     <p:sldId id="264" r:id="rId10"/>
     <p:sldId id="261" r:id="rId11"/>
-    <p:sldId id="265" r:id="rId12"/>
+    <p:sldId id="267" r:id="rId12"/>
+    <p:sldId id="265" r:id="rId13"/>
   </p:sldIdLst>
   <p:sldSz cx="12192000" cy="6858000"/>
   <p:notesSz cx="6858000" cy="9144000"/>
@@ -1402,25 +1403,25 @@
     </dgm:pt>
   </dgm:ptLst>
   <dgm:cxnLst>
-    <dgm:cxn modelId="{D253665A-7267-45FF-85A1-C1B0356FFAC8}" srcId="{36553A3F-F07B-45CC-9583-A117AF07EB13}" destId="{067DF9F2-3C30-4CAC-BBD4-CBD8439FB71B}" srcOrd="2" destOrd="0" parTransId="{B85C76FD-CA31-4135-9CF4-AD56080ACF72}" sibTransId="{3CC0D2DD-B893-43BB-B5E0-DDD0C1BCCA37}"/>
-    <dgm:cxn modelId="{43A3C79C-8044-443A-9A66-A4DB1A7CDA49}" type="presOf" srcId="{20FF1193-A8D8-43C0-B3F4-2734D3AA6E7A}" destId="{A86F055D-2264-40C3-B234-F412473E57D7}" srcOrd="0" destOrd="0" presId="urn:microsoft.com/office/officeart/2005/8/layout/chevron2"/>
-    <dgm:cxn modelId="{31317760-6E92-4EED-92AB-5750718D7914}" srcId="{40EDF554-F211-4531-BBA8-1140F11347D5}" destId="{B509A8CB-B58B-45A9-9BCC-540FFAD1A21B}" srcOrd="1" destOrd="0" parTransId="{4034EE4A-12B6-4967-887D-E1E8AD1CC584}" sibTransId="{CC052B72-37F7-4064-8C79-EB4F467D5CF0}"/>
-    <dgm:cxn modelId="{37AD6B67-7045-4847-AEDF-D42FCF5BD990}" type="presOf" srcId="{30219EF3-B783-44A7-8993-A09E5B759AC8}" destId="{3CBAC024-3D26-4484-A9DC-3C2EE90FCBEE}" srcOrd="0" destOrd="0" presId="urn:microsoft.com/office/officeart/2005/8/layout/chevron2"/>
     <dgm:cxn modelId="{B459BB89-2B78-44FE-B108-9BE55FA2307B}" type="presOf" srcId="{69C775F3-D946-4F4D-9D8D-60E75C7494BE}" destId="{A4451339-8094-47EF-8CD1-3B0F082D5C6C}" srcOrd="0" destOrd="0" presId="urn:microsoft.com/office/officeart/2005/8/layout/chevron2"/>
     <dgm:cxn modelId="{67D8FE5F-8FAF-4613-BD09-C8814E7F24C8}" type="presOf" srcId="{B509A8CB-B58B-45A9-9BCC-540FFAD1A21B}" destId="{3CBAC024-3D26-4484-A9DC-3C2EE90FCBEE}" srcOrd="0" destOrd="1" presId="urn:microsoft.com/office/officeart/2005/8/layout/chevron2"/>
+    <dgm:cxn modelId="{E9160F6A-ED95-494E-80C6-63A02AB13049}" srcId="{067DF9F2-3C30-4CAC-BBD4-CBD8439FB71B}" destId="{353DA5A3-66DA-4E02-95CC-E932EA805ECF}" srcOrd="1" destOrd="0" parTransId="{38927B4B-F285-4086-BD3C-2DC9A134D674}" sibTransId="{2B500966-8795-4E5F-A2F4-E0FBAA169C9D}"/>
+    <dgm:cxn modelId="{64D1B56C-0920-439D-B8F7-942258F9DC30}" type="presOf" srcId="{16BA51DA-C168-4E3A-ABBF-2A24366F5A47}" destId="{BB1A5835-C6A1-4ABB-85D7-6BBE84EB1202}" srcOrd="0" destOrd="0" presId="urn:microsoft.com/office/officeart/2005/8/layout/chevron2"/>
     <dgm:cxn modelId="{C3AB77E4-9426-4652-8562-882F4D65B1A6}" srcId="{40EDF554-F211-4531-BBA8-1140F11347D5}" destId="{30219EF3-B783-44A7-8993-A09E5B759AC8}" srcOrd="0" destOrd="0" parTransId="{336D8AB0-8E95-4A89-9842-16F0C3118C7C}" sibTransId="{B556FF70-B4BB-4453-8F30-645913F8B707}"/>
-    <dgm:cxn modelId="{E9160F6A-ED95-494E-80C6-63A02AB13049}" srcId="{067DF9F2-3C30-4CAC-BBD4-CBD8439FB71B}" destId="{353DA5A3-66DA-4E02-95CC-E932EA805ECF}" srcOrd="1" destOrd="0" parTransId="{38927B4B-F285-4086-BD3C-2DC9A134D674}" sibTransId="{2B500966-8795-4E5F-A2F4-E0FBAA169C9D}"/>
+    <dgm:cxn modelId="{F916AB56-DD04-4D2B-8EB5-7F11B5274C25}" type="presOf" srcId="{36553A3F-F07B-45CC-9583-A117AF07EB13}" destId="{3F10B1C3-18C1-413F-A169-21CBA1438DE7}" srcOrd="0" destOrd="0" presId="urn:microsoft.com/office/officeart/2005/8/layout/chevron2"/>
+    <dgm:cxn modelId="{076136BF-6A66-4BEE-800D-82AF7A435C6A}" srcId="{067DF9F2-3C30-4CAC-BBD4-CBD8439FB71B}" destId="{20FF1193-A8D8-43C0-B3F4-2734D3AA6E7A}" srcOrd="0" destOrd="0" parTransId="{FB977685-6E02-4466-953F-1847A17F7566}" sibTransId="{0A723266-BFA5-46CC-98B4-9ED00CB52DAE}"/>
+    <dgm:cxn modelId="{0D19D648-77DA-414B-B6B4-F592C672BC36}" type="presOf" srcId="{40EDF554-F211-4531-BBA8-1140F11347D5}" destId="{64954C67-D2D3-4C18-9A22-D72786418015}" srcOrd="0" destOrd="0" presId="urn:microsoft.com/office/officeart/2005/8/layout/chevron2"/>
+    <dgm:cxn modelId="{1DD77C2C-F4C3-419F-81A2-2C4A234A35DA}" srcId="{69C775F3-D946-4F4D-9D8D-60E75C7494BE}" destId="{71494AF5-435B-433D-B8D9-B3A734AE538F}" srcOrd="1" destOrd="0" parTransId="{FB3B3ACC-8BF1-4442-948E-497401045816}" sibTransId="{C663FE9D-91A5-4DAD-8163-745FF6806EC5}"/>
+    <dgm:cxn modelId="{31317760-6E92-4EED-92AB-5750718D7914}" srcId="{40EDF554-F211-4531-BBA8-1140F11347D5}" destId="{B509A8CB-B58B-45A9-9BCC-540FFAD1A21B}" srcOrd="1" destOrd="0" parTransId="{4034EE4A-12B6-4967-887D-E1E8AD1CC584}" sibTransId="{CC052B72-37F7-4064-8C79-EB4F467D5CF0}"/>
+    <dgm:cxn modelId="{D786C68B-60D3-425F-8A45-896FB4B60E12}" type="presOf" srcId="{353DA5A3-66DA-4E02-95CC-E932EA805ECF}" destId="{A86F055D-2264-40C3-B234-F412473E57D7}" srcOrd="0" destOrd="1" presId="urn:microsoft.com/office/officeart/2005/8/layout/chevron2"/>
+    <dgm:cxn modelId="{CAF83E54-9F8E-423E-A0B1-AB953D633B51}" type="presOf" srcId="{067DF9F2-3C30-4CAC-BBD4-CBD8439FB71B}" destId="{420356D2-66BC-4A62-8513-B10A2288DBAC}" srcOrd="0" destOrd="0" presId="urn:microsoft.com/office/officeart/2005/8/layout/chevron2"/>
+    <dgm:cxn modelId="{37AD6B67-7045-4847-AEDF-D42FCF5BD990}" type="presOf" srcId="{30219EF3-B783-44A7-8993-A09E5B759AC8}" destId="{3CBAC024-3D26-4484-A9DC-3C2EE90FCBEE}" srcOrd="0" destOrd="0" presId="urn:microsoft.com/office/officeart/2005/8/layout/chevron2"/>
+    <dgm:cxn modelId="{A2D6F973-86C0-434B-B597-B960D2F4EBF2}" type="presOf" srcId="{71494AF5-435B-433D-B8D9-B3A734AE538F}" destId="{BB1A5835-C6A1-4ABB-85D7-6BBE84EB1202}" srcOrd="0" destOrd="1" presId="urn:microsoft.com/office/officeart/2005/8/layout/chevron2"/>
+    <dgm:cxn modelId="{43A3C79C-8044-443A-9A66-A4DB1A7CDA49}" type="presOf" srcId="{20FF1193-A8D8-43C0-B3F4-2734D3AA6E7A}" destId="{A86F055D-2264-40C3-B234-F412473E57D7}" srcOrd="0" destOrd="0" presId="urn:microsoft.com/office/officeart/2005/8/layout/chevron2"/>
+    <dgm:cxn modelId="{D253665A-7267-45FF-85A1-C1B0356FFAC8}" srcId="{36553A3F-F07B-45CC-9583-A117AF07EB13}" destId="{067DF9F2-3C30-4CAC-BBD4-CBD8439FB71B}" srcOrd="2" destOrd="0" parTransId="{B85C76FD-CA31-4135-9CF4-AD56080ACF72}" sibTransId="{3CC0D2DD-B893-43BB-B5E0-DDD0C1BCCA37}"/>
     <dgm:cxn modelId="{9428B574-76F6-478A-855C-E5BA66015162}" srcId="{36553A3F-F07B-45CC-9583-A117AF07EB13}" destId="{69C775F3-D946-4F4D-9D8D-60E75C7494BE}" srcOrd="0" destOrd="0" parTransId="{D0D19BD6-D555-46CB-93E6-A6FD0FC8763D}" sibTransId="{5F6A0156-14F7-4F54-BF13-5C63E83359F7}"/>
-    <dgm:cxn modelId="{D786C68B-60D3-425F-8A45-896FB4B60E12}" type="presOf" srcId="{353DA5A3-66DA-4E02-95CC-E932EA805ECF}" destId="{A86F055D-2264-40C3-B234-F412473E57D7}" srcOrd="0" destOrd="1" presId="urn:microsoft.com/office/officeart/2005/8/layout/chevron2"/>
+    <dgm:cxn modelId="{C133F367-1196-49D0-9B1E-ADFF23E9D8B2}" srcId="{36553A3F-F07B-45CC-9583-A117AF07EB13}" destId="{40EDF554-F211-4531-BBA8-1140F11347D5}" srcOrd="1" destOrd="0" parTransId="{1F927A7C-3CEE-4DDA-92FA-0FC0B3FCC022}" sibTransId="{FDE332E6-64BC-4A03-B2B8-B796B9EE613C}"/>
     <dgm:cxn modelId="{809B0838-8E44-4DF8-9B54-6061FB4CE7CF}" srcId="{69C775F3-D946-4F4D-9D8D-60E75C7494BE}" destId="{16BA51DA-C168-4E3A-ABBF-2A24366F5A47}" srcOrd="0" destOrd="0" parTransId="{B4D5F6A1-9588-440C-8C69-E65DA5E8EF1A}" sibTransId="{66D8459E-7661-440D-AC93-67025E1B6C1E}"/>
-    <dgm:cxn modelId="{CAF83E54-9F8E-423E-A0B1-AB953D633B51}" type="presOf" srcId="{067DF9F2-3C30-4CAC-BBD4-CBD8439FB71B}" destId="{420356D2-66BC-4A62-8513-B10A2288DBAC}" srcOrd="0" destOrd="0" presId="urn:microsoft.com/office/officeart/2005/8/layout/chevron2"/>
-    <dgm:cxn modelId="{0D19D648-77DA-414B-B6B4-F592C672BC36}" type="presOf" srcId="{40EDF554-F211-4531-BBA8-1140F11347D5}" destId="{64954C67-D2D3-4C18-9A22-D72786418015}" srcOrd="0" destOrd="0" presId="urn:microsoft.com/office/officeart/2005/8/layout/chevron2"/>
-    <dgm:cxn modelId="{076136BF-6A66-4BEE-800D-82AF7A435C6A}" srcId="{067DF9F2-3C30-4CAC-BBD4-CBD8439FB71B}" destId="{20FF1193-A8D8-43C0-B3F4-2734D3AA6E7A}" srcOrd="0" destOrd="0" parTransId="{FB977685-6E02-4466-953F-1847A17F7566}" sibTransId="{0A723266-BFA5-46CC-98B4-9ED00CB52DAE}"/>
-    <dgm:cxn modelId="{F916AB56-DD04-4D2B-8EB5-7F11B5274C25}" type="presOf" srcId="{36553A3F-F07B-45CC-9583-A117AF07EB13}" destId="{3F10B1C3-18C1-413F-A169-21CBA1438DE7}" srcOrd="0" destOrd="0" presId="urn:microsoft.com/office/officeart/2005/8/layout/chevron2"/>
-    <dgm:cxn modelId="{1DD77C2C-F4C3-419F-81A2-2C4A234A35DA}" srcId="{69C775F3-D946-4F4D-9D8D-60E75C7494BE}" destId="{71494AF5-435B-433D-B8D9-B3A734AE538F}" srcOrd="1" destOrd="0" parTransId="{FB3B3ACC-8BF1-4442-948E-497401045816}" sibTransId="{C663FE9D-91A5-4DAD-8163-745FF6806EC5}"/>
-    <dgm:cxn modelId="{A2D6F973-86C0-434B-B597-B960D2F4EBF2}" type="presOf" srcId="{71494AF5-435B-433D-B8D9-B3A734AE538F}" destId="{BB1A5835-C6A1-4ABB-85D7-6BBE84EB1202}" srcOrd="0" destOrd="1" presId="urn:microsoft.com/office/officeart/2005/8/layout/chevron2"/>
-    <dgm:cxn modelId="{64D1B56C-0920-439D-B8F7-942258F9DC30}" type="presOf" srcId="{16BA51DA-C168-4E3A-ABBF-2A24366F5A47}" destId="{BB1A5835-C6A1-4ABB-85D7-6BBE84EB1202}" srcOrd="0" destOrd="0" presId="urn:microsoft.com/office/officeart/2005/8/layout/chevron2"/>
-    <dgm:cxn modelId="{C133F367-1196-49D0-9B1E-ADFF23E9D8B2}" srcId="{36553A3F-F07B-45CC-9583-A117AF07EB13}" destId="{40EDF554-F211-4531-BBA8-1140F11347D5}" srcOrd="1" destOrd="0" parTransId="{1F927A7C-3CEE-4DDA-92FA-0FC0B3FCC022}" sibTransId="{FDE332E6-64BC-4A03-B2B8-B796B9EE613C}"/>
     <dgm:cxn modelId="{E1544132-D743-4F5F-A339-9E042AFEC84C}" type="presParOf" srcId="{3F10B1C3-18C1-413F-A169-21CBA1438DE7}" destId="{4152D801-9B37-486D-A5A9-0E0BE5C1E1CC}" srcOrd="0" destOrd="0" presId="urn:microsoft.com/office/officeart/2005/8/layout/chevron2"/>
     <dgm:cxn modelId="{B6A38378-AD35-48A8-8271-1564E07704E0}" type="presParOf" srcId="{4152D801-9B37-486D-A5A9-0E0BE5C1E1CC}" destId="{A4451339-8094-47EF-8CD1-3B0F082D5C6C}" srcOrd="0" destOrd="0" presId="urn:microsoft.com/office/officeart/2005/8/layout/chevron2"/>
     <dgm:cxn modelId="{FC263484-DB0B-4412-B05A-8A4CACD11502}" type="presParOf" srcId="{4152D801-9B37-486D-A5A9-0E0BE5C1E1CC}" destId="{BB1A5835-C6A1-4ABB-85D7-6BBE84EB1202}" srcOrd="1" destOrd="0" presId="urn:microsoft.com/office/officeart/2005/8/layout/chevron2"/>
@@ -3368,7 +3369,7 @@
           <a:p>
             <a:fld id="{D103813D-38E2-4994-98A0-30DDBEC54C26}" type="datetimeFigureOut">
               <a:rPr lang="zh-TW" altLang="en-US" smtClean="0"/>
-              <a:t>2022/4/13</a:t>
+              <a:t>2022/4/15</a:t>
             </a:fld>
             <a:endParaRPr lang="zh-TW" altLang="en-US"/>
           </a:p>
@@ -3767,7 +3768,7 @@
           <a:p>
             <a:fld id="{F27D27DE-324D-43D0-97E2-EC8FCD05F851}" type="datetime1">
               <a:rPr lang="zh-TW" altLang="en-US" smtClean="0"/>
-              <a:t>2022/4/13</a:t>
+              <a:t>2022/4/15</a:t>
             </a:fld>
             <a:endParaRPr lang="zh-TW" altLang="en-US"/>
           </a:p>
@@ -3941,7 +3942,7 @@
           <a:p>
             <a:fld id="{97C98B29-35D3-4EF4-8D9E-DE5DFC2F691B}" type="datetime1">
               <a:rPr lang="zh-TW" altLang="en-US" smtClean="0"/>
-              <a:t>2022/4/13</a:t>
+              <a:t>2022/4/15</a:t>
             </a:fld>
             <a:endParaRPr lang="zh-TW" altLang="en-US"/>
           </a:p>
@@ -4125,7 +4126,7 @@
           <a:p>
             <a:fld id="{A79F25E4-0CFE-4C8C-87B5-AAB1217DF4C8}" type="datetime1">
               <a:rPr lang="zh-TW" altLang="en-US" smtClean="0"/>
-              <a:t>2022/4/13</a:t>
+              <a:t>2022/4/15</a:t>
             </a:fld>
             <a:endParaRPr lang="zh-TW" altLang="en-US"/>
           </a:p>
@@ -4299,7 +4300,7 @@
           <a:p>
             <a:fld id="{7F061E82-C7D8-4B62-A441-04626A4AE3BE}" type="datetime1">
               <a:rPr lang="zh-TW" altLang="en-US" smtClean="0"/>
-              <a:t>2022/4/13</a:t>
+              <a:t>2022/4/15</a:t>
             </a:fld>
             <a:endParaRPr lang="zh-TW" altLang="en-US"/>
           </a:p>
@@ -4549,7 +4550,7 @@
           <a:p>
             <a:fld id="{DF15B8B3-9B89-4CBF-A1C9-9AB266BBAA3A}" type="datetime1">
               <a:rPr lang="zh-TW" altLang="en-US" smtClean="0"/>
-              <a:t>2022/4/13</a:t>
+              <a:t>2022/4/15</a:t>
             </a:fld>
             <a:endParaRPr lang="zh-TW" altLang="en-US"/>
           </a:p>
@@ -4785,7 +4786,7 @@
           <a:p>
             <a:fld id="{BDA9A8F7-AC80-43E9-ACE3-76FE55F38DB6}" type="datetime1">
               <a:rPr lang="zh-TW" altLang="en-US" smtClean="0"/>
-              <a:t>2022/4/13</a:t>
+              <a:t>2022/4/15</a:t>
             </a:fld>
             <a:endParaRPr lang="zh-TW" altLang="en-US"/>
           </a:p>
@@ -5156,7 +5157,7 @@
           <a:p>
             <a:fld id="{E70A029C-B99B-4B61-8CDE-AC6FD4706466}" type="datetime1">
               <a:rPr lang="zh-TW" altLang="en-US" smtClean="0"/>
-              <a:t>2022/4/13</a:t>
+              <a:t>2022/4/15</a:t>
             </a:fld>
             <a:endParaRPr lang="zh-TW" altLang="en-US"/>
           </a:p>
@@ -5278,7 +5279,7 @@
           <a:p>
             <a:fld id="{D4D0D583-026E-4D22-8B70-F7302677838D}" type="datetime1">
               <a:rPr lang="zh-TW" altLang="en-US" smtClean="0"/>
-              <a:t>2022/4/13</a:t>
+              <a:t>2022/4/15</a:t>
             </a:fld>
             <a:endParaRPr lang="zh-TW" altLang="en-US"/>
           </a:p>
@@ -5377,7 +5378,7 @@
           <a:p>
             <a:fld id="{443B68B3-89C4-4C77-AAA3-041F922BC0D0}" type="datetime1">
               <a:rPr lang="zh-TW" altLang="en-US" smtClean="0"/>
-              <a:t>2022/4/13</a:t>
+              <a:t>2022/4/15</a:t>
             </a:fld>
             <a:endParaRPr lang="zh-TW" altLang="en-US"/>
           </a:p>
@@ -5658,7 +5659,7 @@
           <a:p>
             <a:fld id="{D4526498-D210-4DE6-8404-13C7CB7C7CB4}" type="datetime1">
               <a:rPr lang="zh-TW" altLang="en-US" smtClean="0"/>
-              <a:t>2022/4/13</a:t>
+              <a:t>2022/4/15</a:t>
             </a:fld>
             <a:endParaRPr lang="zh-TW" altLang="en-US"/>
           </a:p>
@@ -5915,7 +5916,7 @@
           <a:p>
             <a:fld id="{CBECAB7F-5594-4ADF-B799-69BCDD4D9762}" type="datetime1">
               <a:rPr lang="zh-TW" altLang="en-US" smtClean="0"/>
-              <a:t>2022/4/13</a:t>
+              <a:t>2022/4/15</a:t>
             </a:fld>
             <a:endParaRPr lang="zh-TW" altLang="en-US"/>
           </a:p>
@@ -6180,7 +6181,7 @@
           <a:p>
             <a:fld id="{10A87F4A-F5CF-4F12-84AB-91528AF94610}" type="datetime1">
               <a:rPr lang="zh-TW" altLang="en-US" smtClean="0"/>
-              <a:t>2022/4/13</a:t>
+              <a:t>2022/4/15</a:t>
             </a:fld>
             <a:endParaRPr lang="zh-TW" altLang="en-US"/>
           </a:p>
@@ -6670,7 +6671,7 @@
           <a:p>
             <a:fld id="{0B5DF8CB-2FA1-4BA7-9093-8A615FBAA588}" type="datetime1">
               <a:rPr lang="zh-TW" altLang="en-US" smtClean="0"/>
-              <a:t>2022/4/13</a:t>
+              <a:t>2022/4/15</a:t>
             </a:fld>
             <a:endParaRPr lang="zh-TW" altLang="en-US"/>
           </a:p>
@@ -6772,7 +6773,10 @@
               <a:rPr lang="en-US" altLang="zh-TW" dirty="0" err="1" smtClean="0"/>
               <a:t>Doccano</a:t>
             </a:r>
-            <a:endParaRPr lang="en-US" altLang="zh-TW" dirty="0" smtClean="0"/>
+            <a:r>
+              <a:rPr lang="en-US" altLang="zh-TW" dirty="0" smtClean="0"/>
+              <a:t> 1</a:t>
+            </a:r>
           </a:p>
         </p:txBody>
       </p:sp>
@@ -6819,10 +6823,6 @@
           </a:p>
           <a:p>
             <a:r>
-              <a:rPr lang="en-US" altLang="zh-TW" dirty="0" smtClean="0"/>
-              <a:t>(Optional) </a:t>
-            </a:r>
-            <a:r>
               <a:rPr lang="zh-TW" altLang="en-US" dirty="0" smtClean="0"/>
               <a:t>新增繁體中文</a:t>
             </a:r>
@@ -6850,7 +6850,7 @@
           <a:p>
             <a:fld id="{7F061E82-C7D8-4B62-A441-04626A4AE3BE}" type="datetime1">
               <a:rPr lang="zh-TW" altLang="en-US" smtClean="0"/>
-              <a:t>2022/4/13</a:t>
+              <a:t>2022/4/15</a:t>
             </a:fld>
             <a:endParaRPr lang="zh-TW" altLang="en-US"/>
           </a:p>
@@ -6904,7 +6904,7 @@
       </p:sp>
       <p:pic>
         <p:nvPicPr>
-          <p:cNvPr id="7" name="圖片 6"/>
+          <p:cNvPr id="8" name="圖片 7"/>
           <p:cNvPicPr>
             <a:picLocks noChangeAspect="1"/>
           </p:cNvPicPr>
@@ -6918,8 +6918,8 @@
         </p:blipFill>
         <p:spPr>
           <a:xfrm>
-            <a:off x="2359110" y="2859578"/>
-            <a:ext cx="7110235" cy="2731682"/>
+            <a:off x="1999612" y="2514601"/>
+            <a:ext cx="8192774" cy="3349412"/>
           </a:xfrm>
           <a:prstGeom prst="rect">
             <a:avLst/>
@@ -6973,6 +6973,353 @@
           <a:p>
             <a:pPr algn="ctr"/>
             <a:r>
+              <a:rPr lang="en-US" altLang="zh-TW" dirty="0" err="1" smtClean="0"/>
+              <a:t>Doccano</a:t>
+            </a:r>
+            <a:r>
+              <a:rPr lang="en-US" altLang="zh-TW" dirty="0" smtClean="0"/>
+              <a:t> 2</a:t>
+            </a:r>
+            <a:endParaRPr lang="zh-TW" altLang="en-US" dirty="0"/>
+          </a:p>
+        </p:txBody>
+      </p:sp>
+      <p:pic>
+        <p:nvPicPr>
+          <p:cNvPr id="7" name="內容版面配置區 6"/>
+          <p:cNvPicPr>
+            <a:picLocks noGrp="1" noChangeAspect="1"/>
+          </p:cNvPicPr>
+          <p:nvPr>
+            <p:ph idx="1"/>
+          </p:nvPr>
+        </p:nvPicPr>
+        <p:blipFill>
+          <a:blip r:embed="rId2"/>
+          <a:stretch>
+            <a:fillRect/>
+          </a:stretch>
+        </p:blipFill>
+        <p:spPr>
+          <a:xfrm>
+            <a:off x="3455243" y="2441695"/>
+            <a:ext cx="5281511" cy="3632715"/>
+          </a:xfrm>
+          <a:prstGeom prst="rect">
+            <a:avLst/>
+          </a:prstGeom>
+        </p:spPr>
+      </p:pic>
+      <p:sp>
+        <p:nvSpPr>
+          <p:cNvPr id="4" name="日期版面配置區 3"/>
+          <p:cNvSpPr>
+            <a:spLocks noGrp="1"/>
+          </p:cNvSpPr>
+          <p:nvPr>
+            <p:ph type="dt" sz="half" idx="10"/>
+          </p:nvPr>
+        </p:nvSpPr>
+        <p:spPr/>
+        <p:txBody>
+          <a:bodyPr/>
+          <a:lstStyle/>
+          <a:p>
+            <a:fld id="{7F061E82-C7D8-4B62-A441-04626A4AE3BE}" type="datetime1">
+              <a:rPr lang="zh-TW" altLang="en-US" smtClean="0"/>
+              <a:t>2022/4/15</a:t>
+            </a:fld>
+            <a:endParaRPr lang="zh-TW" altLang="en-US"/>
+          </a:p>
+        </p:txBody>
+      </p:sp>
+      <p:sp>
+        <p:nvSpPr>
+          <p:cNvPr id="5" name="頁尾版面配置區 4"/>
+          <p:cNvSpPr>
+            <a:spLocks noGrp="1"/>
+          </p:cNvSpPr>
+          <p:nvPr>
+            <p:ph type="ftr" sz="quarter" idx="11"/>
+          </p:nvPr>
+        </p:nvSpPr>
+        <p:spPr/>
+        <p:txBody>
+          <a:bodyPr/>
+          <a:lstStyle/>
+          <a:p>
+            <a:r>
+              <a:rPr lang="en-US" altLang="zh-TW" smtClean="0"/>
+              <a:t>eland</a:t>
+            </a:r>
+            <a:endParaRPr lang="zh-TW" altLang="en-US"/>
+          </a:p>
+        </p:txBody>
+      </p:sp>
+      <p:sp>
+        <p:nvSpPr>
+          <p:cNvPr id="6" name="投影片編號版面配置區 5"/>
+          <p:cNvSpPr>
+            <a:spLocks noGrp="1"/>
+          </p:cNvSpPr>
+          <p:nvPr>
+            <p:ph type="sldNum" sz="quarter" idx="12"/>
+          </p:nvPr>
+        </p:nvSpPr>
+        <p:spPr/>
+        <p:txBody>
+          <a:bodyPr/>
+          <a:lstStyle/>
+          <a:p>
+            <a:fld id="{9074BB25-06BB-4FB2-800B-F83CF9470E93}" type="slidenum">
+              <a:rPr lang="zh-TW" altLang="en-US" smtClean="0"/>
+              <a:t>11</a:t>
+            </a:fld>
+            <a:endParaRPr lang="zh-TW" altLang="en-US"/>
+          </a:p>
+        </p:txBody>
+      </p:sp>
+      <p:sp>
+        <p:nvSpPr>
+          <p:cNvPr id="8" name="內容版面配置區 2"/>
+          <p:cNvSpPr txBox="1">
+            <a:spLocks/>
+          </p:cNvSpPr>
+          <p:nvPr/>
+        </p:nvSpPr>
+        <p:spPr>
+          <a:xfrm>
+            <a:off x="2359111" y="1847850"/>
+            <a:ext cx="7473778" cy="4351338"/>
+          </a:xfrm>
+          <a:prstGeom prst="rect">
+            <a:avLst/>
+          </a:prstGeom>
+        </p:spPr>
+        <p:txBody>
+          <a:bodyPr vert="horz" lIns="91440" tIns="45720" rIns="91440" bIns="45720" rtlCol="0">
+            <a:normAutofit/>
+          </a:bodyPr>
+          <a:lstStyle>
+            <a:lvl1pPr marL="228600" indent="-228600" algn="l" defTabSz="914400" rtl="0" eaLnBrk="1" latinLnBrk="0" hangingPunct="1">
+              <a:lnSpc>
+                <a:spcPct val="90000"/>
+              </a:lnSpc>
+              <a:spcBef>
+                <a:spcPts val="1000"/>
+              </a:spcBef>
+              <a:buFont typeface="Arial" panose="020B0604020202020204" pitchFamily="34" charset="0"/>
+              <a:buChar char="•"/>
+              <a:defRPr sz="1800" kern="1200">
+                <a:solidFill>
+                  <a:schemeClr val="tx1"/>
+                </a:solidFill>
+                <a:latin typeface="+mn-lt"/>
+                <a:ea typeface="+mn-ea"/>
+                <a:cs typeface="+mn-cs"/>
+              </a:defRPr>
+            </a:lvl1pPr>
+            <a:lvl2pPr marL="685800" indent="-228600" algn="l" defTabSz="914400" rtl="0" eaLnBrk="1" latinLnBrk="0" hangingPunct="1">
+              <a:lnSpc>
+                <a:spcPct val="90000"/>
+              </a:lnSpc>
+              <a:spcBef>
+                <a:spcPts val="500"/>
+              </a:spcBef>
+              <a:buFont typeface="Arial" panose="020B0604020202020204" pitchFamily="34" charset="0"/>
+              <a:buChar char="•"/>
+              <a:defRPr sz="1600" kern="1200">
+                <a:solidFill>
+                  <a:schemeClr val="tx1"/>
+                </a:solidFill>
+                <a:latin typeface="+mn-lt"/>
+                <a:ea typeface="+mn-ea"/>
+                <a:cs typeface="+mn-cs"/>
+              </a:defRPr>
+            </a:lvl2pPr>
+            <a:lvl3pPr marL="1143000" indent="-228600" algn="l" defTabSz="914400" rtl="0" eaLnBrk="1" latinLnBrk="0" hangingPunct="1">
+              <a:lnSpc>
+                <a:spcPct val="90000"/>
+              </a:lnSpc>
+              <a:spcBef>
+                <a:spcPts val="500"/>
+              </a:spcBef>
+              <a:buFont typeface="Arial" panose="020B0604020202020204" pitchFamily="34" charset="0"/>
+              <a:buChar char="•"/>
+              <a:defRPr sz="1400" kern="1200">
+                <a:solidFill>
+                  <a:schemeClr val="tx1"/>
+                </a:solidFill>
+                <a:latin typeface="+mn-lt"/>
+                <a:ea typeface="+mn-ea"/>
+                <a:cs typeface="+mn-cs"/>
+              </a:defRPr>
+            </a:lvl3pPr>
+            <a:lvl4pPr marL="1600200" indent="-228600" algn="l" defTabSz="914400" rtl="0" eaLnBrk="1" latinLnBrk="0" hangingPunct="1">
+              <a:lnSpc>
+                <a:spcPct val="90000"/>
+              </a:lnSpc>
+              <a:spcBef>
+                <a:spcPts val="500"/>
+              </a:spcBef>
+              <a:buFont typeface="Arial" panose="020B0604020202020204" pitchFamily="34" charset="0"/>
+              <a:buChar char="•"/>
+              <a:defRPr sz="1200" kern="1200">
+                <a:solidFill>
+                  <a:schemeClr val="tx1"/>
+                </a:solidFill>
+                <a:latin typeface="+mn-lt"/>
+                <a:ea typeface="+mn-ea"/>
+                <a:cs typeface="+mn-cs"/>
+              </a:defRPr>
+            </a:lvl4pPr>
+            <a:lvl5pPr marL="2057400" indent="-228600" algn="l" defTabSz="914400" rtl="0" eaLnBrk="1" latinLnBrk="0" hangingPunct="1">
+              <a:lnSpc>
+                <a:spcPct val="90000"/>
+              </a:lnSpc>
+              <a:spcBef>
+                <a:spcPts val="500"/>
+              </a:spcBef>
+              <a:buFont typeface="Arial" panose="020B0604020202020204" pitchFamily="34" charset="0"/>
+              <a:buChar char="•"/>
+              <a:defRPr sz="1200" kern="1200">
+                <a:solidFill>
+                  <a:schemeClr val="tx1"/>
+                </a:solidFill>
+                <a:latin typeface="+mn-lt"/>
+                <a:ea typeface="+mn-ea"/>
+                <a:cs typeface="+mn-cs"/>
+              </a:defRPr>
+            </a:lvl5pPr>
+            <a:lvl6pPr marL="2514600" indent="-228600" algn="l" defTabSz="914400" rtl="0" eaLnBrk="1" latinLnBrk="0" hangingPunct="1">
+              <a:lnSpc>
+                <a:spcPct val="90000"/>
+              </a:lnSpc>
+              <a:spcBef>
+                <a:spcPts val="500"/>
+              </a:spcBef>
+              <a:buFont typeface="Arial" panose="020B0604020202020204" pitchFamily="34" charset="0"/>
+              <a:buChar char="•"/>
+              <a:defRPr sz="1800" kern="1200">
+                <a:solidFill>
+                  <a:schemeClr val="tx1"/>
+                </a:solidFill>
+                <a:latin typeface="+mn-lt"/>
+                <a:ea typeface="+mn-ea"/>
+                <a:cs typeface="+mn-cs"/>
+              </a:defRPr>
+            </a:lvl6pPr>
+            <a:lvl7pPr marL="2971800" indent="-228600" algn="l" defTabSz="914400" rtl="0" eaLnBrk="1" latinLnBrk="0" hangingPunct="1">
+              <a:lnSpc>
+                <a:spcPct val="90000"/>
+              </a:lnSpc>
+              <a:spcBef>
+                <a:spcPts val="500"/>
+              </a:spcBef>
+              <a:buFont typeface="Arial" panose="020B0604020202020204" pitchFamily="34" charset="0"/>
+              <a:buChar char="•"/>
+              <a:defRPr sz="1800" kern="1200">
+                <a:solidFill>
+                  <a:schemeClr val="tx1"/>
+                </a:solidFill>
+                <a:latin typeface="+mn-lt"/>
+                <a:ea typeface="+mn-ea"/>
+                <a:cs typeface="+mn-cs"/>
+              </a:defRPr>
+            </a:lvl7pPr>
+            <a:lvl8pPr marL="3429000" indent="-228600" algn="l" defTabSz="914400" rtl="0" eaLnBrk="1" latinLnBrk="0" hangingPunct="1">
+              <a:lnSpc>
+                <a:spcPct val="90000"/>
+              </a:lnSpc>
+              <a:spcBef>
+                <a:spcPts val="500"/>
+              </a:spcBef>
+              <a:buFont typeface="Arial" panose="020B0604020202020204" pitchFamily="34" charset="0"/>
+              <a:buChar char="•"/>
+              <a:defRPr sz="1800" kern="1200">
+                <a:solidFill>
+                  <a:schemeClr val="tx1"/>
+                </a:solidFill>
+                <a:latin typeface="+mn-lt"/>
+                <a:ea typeface="+mn-ea"/>
+                <a:cs typeface="+mn-cs"/>
+              </a:defRPr>
+            </a:lvl8pPr>
+            <a:lvl9pPr marL="3886200" indent="-228600" algn="l" defTabSz="914400" rtl="0" eaLnBrk="1" latinLnBrk="0" hangingPunct="1">
+              <a:lnSpc>
+                <a:spcPct val="90000"/>
+              </a:lnSpc>
+              <a:spcBef>
+                <a:spcPts val="500"/>
+              </a:spcBef>
+              <a:buFont typeface="Arial" panose="020B0604020202020204" pitchFamily="34" charset="0"/>
+              <a:buChar char="•"/>
+              <a:defRPr sz="1800" kern="1200">
+                <a:solidFill>
+                  <a:schemeClr val="tx1"/>
+                </a:solidFill>
+                <a:latin typeface="+mn-lt"/>
+                <a:ea typeface="+mn-ea"/>
+                <a:cs typeface="+mn-cs"/>
+              </a:defRPr>
+            </a:lvl9pPr>
+          </a:lstStyle>
+          <a:p>
+            <a:r>
+              <a:rPr lang="en-US" altLang="zh-TW" dirty="0" smtClean="0"/>
+              <a:t>Latest bug fix</a:t>
+            </a:r>
+            <a:endParaRPr lang="zh-TW" altLang="en-US" dirty="0"/>
+          </a:p>
+        </p:txBody>
+      </p:sp>
+    </p:spTree>
+    <p:extLst>
+      <p:ext uri="{BB962C8B-B14F-4D97-AF65-F5344CB8AC3E}">
+        <p14:creationId xmlns:p14="http://schemas.microsoft.com/office/powerpoint/2010/main" val="3026387131"/>
+      </p:ext>
+    </p:extLst>
+  </p:cSld>
+  <p:clrMapOvr>
+    <a:masterClrMapping/>
+  </p:clrMapOvr>
+</p:sld>
+</file>
+
+<file path=ppt/slides/slide12.xml><?xml version="1.0" encoding="utf-8"?>
+<p:sld xmlns:a="http://schemas.openxmlformats.org/drawingml/2006/main" xmlns:r="http://schemas.openxmlformats.org/officeDocument/2006/relationships" xmlns:p="http://schemas.openxmlformats.org/presentationml/2006/main">
+  <p:cSld>
+    <p:spTree>
+      <p:nvGrpSpPr>
+        <p:cNvPr id="1" name=""/>
+        <p:cNvGrpSpPr/>
+        <p:nvPr/>
+      </p:nvGrpSpPr>
+      <p:grpSpPr>
+        <a:xfrm>
+          <a:off x="0" y="0"/>
+          <a:ext cx="0" cy="0"/>
+          <a:chOff x="0" y="0"/>
+          <a:chExt cx="0" cy="0"/>
+        </a:xfrm>
+      </p:grpSpPr>
+      <p:sp>
+        <p:nvSpPr>
+          <p:cNvPr id="2" name="標題 1"/>
+          <p:cNvSpPr>
+            <a:spLocks noGrp="1"/>
+          </p:cNvSpPr>
+          <p:nvPr>
+            <p:ph type="title"/>
+          </p:nvPr>
+        </p:nvSpPr>
+        <p:spPr/>
+        <p:txBody>
+          <a:bodyPr/>
+          <a:lstStyle/>
+          <a:p>
+            <a:pPr algn="ctr"/>
+            <a:r>
               <a:rPr lang="en-US" altLang="zh-TW" dirty="0" smtClean="0"/>
               <a:t>Roadmap</a:t>
             </a:r>
@@ -6997,7 +7344,7 @@
           <a:p>
             <a:fld id="{7F061E82-C7D8-4B62-A441-04626A4AE3BE}" type="datetime1">
               <a:rPr lang="zh-TW" altLang="en-US" smtClean="0"/>
-              <a:t>2022/4/13</a:t>
+              <a:t>2022/4/15</a:t>
             </a:fld>
             <a:endParaRPr lang="zh-TW" altLang="en-US"/>
           </a:p>
@@ -7043,7 +7390,7 @@
           <a:p>
             <a:fld id="{9074BB25-06BB-4FB2-800B-F83CF9470E93}" type="slidenum">
               <a:rPr lang="zh-TW" altLang="en-US" smtClean="0"/>
-              <a:t>11</a:t>
+              <a:t>12</a:t>
             </a:fld>
             <a:endParaRPr lang="zh-TW" altLang="en-US"/>
           </a:p>
@@ -7232,7 +7579,7 @@
           <a:p>
             <a:fld id="{39A7B1AD-2438-4AEB-9D8E-74F5EAF48C68}" type="datetime1">
               <a:rPr lang="zh-TW" altLang="en-US" smtClean="0"/>
-              <a:t>2022/4/13</a:t>
+              <a:t>2022/4/15</a:t>
             </a:fld>
             <a:endParaRPr lang="zh-TW" altLang="en-US"/>
           </a:p>
@@ -7355,7 +7702,7 @@
           <a:p>
             <a:fld id="{7F061E82-C7D8-4B62-A441-04626A4AE3BE}" type="datetime1">
               <a:rPr lang="zh-TW" altLang="en-US" smtClean="0"/>
-              <a:t>2022/4/13</a:t>
+              <a:t>2022/4/15</a:t>
             </a:fld>
             <a:endParaRPr lang="zh-TW" altLang="en-US"/>
           </a:p>
@@ -7663,7 +8010,7 @@
           <a:p>
             <a:fld id="{7F061E82-C7D8-4B62-A441-04626A4AE3BE}" type="datetime1">
               <a:rPr lang="zh-TW" altLang="en-US" smtClean="0"/>
-              <a:t>2022/4/13</a:t>
+              <a:t>2022/4/15</a:t>
             </a:fld>
             <a:endParaRPr lang="zh-TW" altLang="en-US"/>
           </a:p>
@@ -7812,7 +8159,7 @@
           <a:p>
             <a:fld id="{7F061E82-C7D8-4B62-A441-04626A4AE3BE}" type="datetime1">
               <a:rPr lang="zh-TW" altLang="en-US" smtClean="0"/>
-              <a:t>2022/4/13</a:t>
+              <a:t>2022/4/15</a:t>
             </a:fld>
             <a:endParaRPr lang="zh-TW" altLang="en-US"/>
           </a:p>
@@ -8181,7 +8528,7 @@
           <a:p>
             <a:fld id="{7F061E82-C7D8-4B62-A441-04626A4AE3BE}" type="datetime1">
               <a:rPr lang="zh-TW" altLang="en-US" smtClean="0"/>
-              <a:t>2022/4/13</a:t>
+              <a:t>2022/4/15</a:t>
             </a:fld>
             <a:endParaRPr lang="zh-TW" altLang="en-US"/>
           </a:p>
@@ -8470,7 +8817,7 @@
           <a:p>
             <a:fld id="{7F061E82-C7D8-4B62-A441-04626A4AE3BE}" type="datetime1">
               <a:rPr lang="zh-TW" altLang="en-US" smtClean="0"/>
-              <a:t>2022/4/13</a:t>
+              <a:t>2022/4/15</a:t>
             </a:fld>
             <a:endParaRPr lang="zh-TW" altLang="en-US"/>
           </a:p>
@@ -8720,7 +9067,7 @@
           <a:p>
             <a:fld id="{7F061E82-C7D8-4B62-A441-04626A4AE3BE}" type="datetime1">
               <a:rPr lang="zh-TW" altLang="en-US" smtClean="0"/>
-              <a:t>2022/4/13</a:t>
+              <a:t>2022/4/15</a:t>
             </a:fld>
             <a:endParaRPr lang="zh-TW" altLang="en-US"/>
           </a:p>
@@ -8864,7 +9211,6 @@
               <a:rPr lang="en-US" altLang="zh-TW" dirty="0" smtClean="0"/>
               <a:t>/document</a:t>
             </a:r>
-            <a:endParaRPr lang="en-US" altLang="zh-TW" dirty="0" smtClean="0"/>
           </a:p>
           <a:p>
             <a:pPr lvl="1"/>
@@ -8887,7 +9233,6 @@
               <a:rPr lang="en-US" altLang="zh-TW" dirty="0" smtClean="0"/>
               <a:t>}</a:t>
             </a:r>
-            <a:endParaRPr lang="en-US" altLang="zh-TW" dirty="0" smtClean="0"/>
           </a:p>
           <a:p>
             <a:pPr lvl="1"/>
@@ -8935,7 +9280,6 @@
               <a:rPr lang="en-US" altLang="zh-TW" dirty="0" smtClean="0"/>
               <a:t>}/dataset/add</a:t>
             </a:r>
-            <a:endParaRPr lang="en-US" altLang="zh-TW" dirty="0" smtClean="0"/>
           </a:p>
           <a:p>
             <a:pPr lvl="1"/>
@@ -9004,14 +9348,12 @@
               <a:rPr lang="en-US" altLang="zh-TW" dirty="0" smtClean="0"/>
               <a:t>dataset/download</a:t>
             </a:r>
-            <a:endParaRPr lang="en-US" altLang="zh-TW" dirty="0" smtClean="0"/>
           </a:p>
           <a:p>
             <a:r>
               <a:rPr lang="en-US" altLang="zh-TW" dirty="0" smtClean="0"/>
               <a:t>Celery</a:t>
             </a:r>
-            <a:endParaRPr lang="en-US" altLang="zh-TW" dirty="0" smtClean="0"/>
           </a:p>
           <a:p>
             <a:pPr lvl="1"/>
@@ -9072,7 +9414,7 @@
           <a:p>
             <a:fld id="{7F061E82-C7D8-4B62-A441-04626A4AE3BE}" type="datetime1">
               <a:rPr lang="zh-TW" altLang="en-US" smtClean="0"/>
-              <a:t>2022/4/13</a:t>
+              <a:t>2022/4/15</a:t>
             </a:fld>
             <a:endParaRPr lang="zh-TW" altLang="en-US"/>
           </a:p>
@@ -9126,7 +9468,7 @@
       </p:sp>
       <p:pic>
         <p:nvPicPr>
-          <p:cNvPr id="7" name="圖片 6"/>
+          <p:cNvPr id="8" name="圖片 7"/>
           <p:cNvPicPr>
             <a:picLocks noChangeAspect="1"/>
           </p:cNvPicPr>
@@ -9146,8 +9488,8 @@
         </p:blipFill>
         <p:spPr>
           <a:xfrm>
-            <a:off x="1021686" y="2227811"/>
-            <a:ext cx="5603914" cy="3181954"/>
+            <a:off x="714115" y="1875213"/>
+            <a:ext cx="6178081" cy="3507971"/>
           </a:xfrm>
           <a:prstGeom prst="rect">
             <a:avLst/>
@@ -9208,14 +9550,14 @@
         <a:srgbClr val="954F72"/>
       </a:folHlink>
     </a:clrScheme>
-    <a:fontScheme name="自訂 1">
+    <a:fontScheme name="自訂 2">
       <a:majorFont>
-        <a:latin typeface="Trebuchet MS"/>
+        <a:latin typeface="Arial"/>
         <a:ea typeface="UD Digi Kyokasho NK-B"/>
         <a:cs typeface=""/>
       </a:majorFont>
       <a:minorFont>
-        <a:latin typeface="Trebuchet MS"/>
+        <a:latin typeface="Arial"/>
         <a:ea typeface="微軟正黑體"/>
         <a:cs typeface=""/>
       </a:minorFont>
